--- a/yueyuscrapper/test.pptx
+++ b/yueyuscrapper/test.pptx
@@ -7,6 +7,7 @@
   <p:sldIdLst>
     <p:sldId id="256" r:id="rId2"/>
     <p:sldId id="257" r:id="rId7"/>
+    <p:sldId id="258" r:id="rId8"/>
   </p:sldIdLst>
   <p:sldSz cx="12192000" cy="6858000"/>
   <p:notesSz cx="6858000" cy="9144000"/>
@@ -115,6 +116,73 @@
 
 <file path=ppt/slideLayouts/slideLayout1.xml><?xml version="1.0" encoding="utf-8"?>
 <p:sldLayout xmlns:a="http://schemas.openxmlformats.org/drawingml/2006/main" xmlns:r="http://schemas.openxmlformats.org/officeDocument/2006/relationships" xmlns:p="http://schemas.openxmlformats.org/presentationml/2006/main" preserve="1" userDrawn="1">
+  <p:cSld name="Custom Layout">
+    <p:spTree>
+      <p:nvGrpSpPr>
+        <p:cNvPr id="1" name=""/>
+        <p:cNvGrpSpPr/>
+        <p:nvPr/>
+      </p:nvGrpSpPr>
+      <p:grpSpPr>
+        <a:xfrm>
+          <a:off x="0" y="0"/>
+          <a:ext cx="0" cy="0"/>
+          <a:chOff x="0" y="0"/>
+          <a:chExt cx="0" cy="0"/>
+        </a:xfrm>
+      </p:grpSpPr>
+      <p:sp>
+        <p:nvSpPr>
+          <p:cNvPr id="2" name="Title 1">
+            <a:extLst>
+              <a:ext uri="{FF2B5EF4-FFF2-40B4-BE49-F238E27FC236}">
+                <a16:creationId xmlns:a16="http://schemas.microsoft.com/office/drawing/2014/main" id="{A228FBBB-1A9D-68A7-35C5-5549BC9A6A98}"/>
+              </a:ext>
+            </a:extLst>
+          </p:cNvPr>
+          <p:cNvSpPr>
+            <a:spLocks noGrp="1"/>
+          </p:cNvSpPr>
+          <p:nvPr>
+            <p:ph type="title"/>
+          </p:nvPr>
+        </p:nvSpPr>
+        <p:spPr>
+          <a:xfrm>
+            <a:off x="838200" y="2766218"/>
+            <a:ext cx="10515600" cy="1325563"/>
+          </a:xfrm>
+          <a:prstGeom prst="rect">
+            <a:avLst/>
+          </a:prstGeom>
+        </p:spPr>
+        <p:txBody>
+          <a:bodyPr/>
+          <a:lstStyle/>
+          <a:p>
+            <a:r>
+              <a:rPr lang="en-US"/>
+              <a:t>Click to edit Master title style</a:t>
+            </a:r>
+            <a:endParaRPr lang="en-MY"/>
+          </a:p>
+        </p:txBody>
+      </p:sp>
+    </p:spTree>
+    <p:extLst>
+      <p:ext uri="{BB962C8B-B14F-4D97-AF65-F5344CB8AC3E}">
+        <p14:creationId xmlns:p14="http://schemas.microsoft.com/office/powerpoint/2010/main" val="2363325801"/>
+      </p:ext>
+    </p:extLst>
+  </p:cSld>
+  <p:clrMapOvr>
+    <a:masterClrMapping/>
+  </p:clrMapOvr>
+</p:sldLayout>
+</file>
+
+<file path=ppt/slideLayouts/slideLayout2.xml><?xml version="1.0" encoding="utf-8"?>
+<p:sldLayout xmlns:a="http://schemas.openxmlformats.org/drawingml/2006/main" xmlns:r="http://schemas.openxmlformats.org/officeDocument/2006/relationships" xmlns:p="http://schemas.openxmlformats.org/presentationml/2006/main" preserve="1" userDrawn="1">
   <p:cSld name="Title Slide">
     <p:spTree>
       <p:nvGrpSpPr>
@@ -148,8 +216,8 @@
         </p:nvSpPr>
         <p:spPr>
           <a:xfrm>
-            <a:off x="526834" y="438526"/>
-            <a:ext cx="2698750" cy="2332037"/>
+            <a:off x="1302689" y="435233"/>
+            <a:ext cx="2033377" cy="1757077"/>
           </a:xfrm>
           <a:prstGeom prst="rect">
             <a:avLst/>
@@ -186,8 +254,8 @@
         </p:nvSpPr>
         <p:spPr>
           <a:xfrm>
-            <a:off x="526618" y="2876550"/>
-            <a:ext cx="2699182" cy="552450"/>
+            <a:off x="1302689" y="2394411"/>
+            <a:ext cx="2033702" cy="416244"/>
           </a:xfrm>
           <a:prstGeom prst="rect">
             <a:avLst/>
@@ -280,8 +348,8 @@
         </p:nvSpPr>
         <p:spPr>
           <a:xfrm>
-            <a:off x="526618" y="3534988"/>
-            <a:ext cx="2699182" cy="552450"/>
+            <a:off x="1302689" y="3012756"/>
+            <a:ext cx="2033702" cy="416244"/>
           </a:xfrm>
           <a:prstGeom prst="rect">
             <a:avLst/>
@@ -353,10 +421,10 @@
       </p:sp>
       <p:sp>
         <p:nvSpPr>
-          <p:cNvPr id="27" name="Picture Placeholder 12">
+          <p:cNvPr id="2" name="Picture Placeholder 12">
             <a:extLst>
               <a:ext uri="{FF2B5EF4-FFF2-40B4-BE49-F238E27FC236}">
-                <a16:creationId xmlns:a16="http://schemas.microsoft.com/office/drawing/2014/main" id="{1EFBC425-0B20-3A83-D246-9D02A1156810}"/>
+                <a16:creationId xmlns:a16="http://schemas.microsoft.com/office/drawing/2014/main" id="{74E16B58-20CC-7431-20DE-72D783761805}"/>
               </a:ext>
             </a:extLst>
           </p:cNvPr>
@@ -369,8 +437,8 @@
         </p:nvSpPr>
         <p:spPr>
           <a:xfrm>
-            <a:off x="4273103" y="438526"/>
-            <a:ext cx="2698750" cy="2332037"/>
+            <a:off x="3873877" y="435233"/>
+            <a:ext cx="2033377" cy="1757077"/>
           </a:xfrm>
           <a:prstGeom prst="rect">
             <a:avLst/>
@@ -391,10 +459,10 @@
       </p:sp>
       <p:sp>
         <p:nvSpPr>
-          <p:cNvPr id="28" name="Text Placeholder 18">
+          <p:cNvPr id="3" name="Text Placeholder 18">
             <a:extLst>
               <a:ext uri="{FF2B5EF4-FFF2-40B4-BE49-F238E27FC236}">
-                <a16:creationId xmlns:a16="http://schemas.microsoft.com/office/drawing/2014/main" id="{8D8F0DEF-40B9-954E-2426-E72F24EFE387}"/>
+                <a16:creationId xmlns:a16="http://schemas.microsoft.com/office/drawing/2014/main" id="{D0D1FCC7-AF02-B39D-2E1F-0A35BE744263}"/>
               </a:ext>
             </a:extLst>
           </p:cNvPr>
@@ -407,8 +475,8 @@
         </p:nvSpPr>
         <p:spPr>
           <a:xfrm>
-            <a:off x="4272887" y="2876550"/>
-            <a:ext cx="2699182" cy="552450"/>
+            <a:off x="3874093" y="2394411"/>
+            <a:ext cx="2033702" cy="416244"/>
           </a:xfrm>
           <a:prstGeom prst="rect">
             <a:avLst/>
@@ -485,10 +553,10 @@
       </p:sp>
       <p:sp>
         <p:nvSpPr>
-          <p:cNvPr id="29" name="Text Placeholder 18">
+          <p:cNvPr id="4" name="Text Placeholder 18">
             <a:extLst>
               <a:ext uri="{FF2B5EF4-FFF2-40B4-BE49-F238E27FC236}">
-                <a16:creationId xmlns:a16="http://schemas.microsoft.com/office/drawing/2014/main" id="{65520916-6C06-B968-6F20-347FC0D0F16E}"/>
+                <a16:creationId xmlns:a16="http://schemas.microsoft.com/office/drawing/2014/main" id="{5A70D692-039C-851A-7EFB-D5D55220EB06}"/>
               </a:ext>
             </a:extLst>
           </p:cNvPr>
@@ -501,8 +569,8 @@
         </p:nvSpPr>
         <p:spPr>
           <a:xfrm>
-            <a:off x="4272887" y="3534988"/>
-            <a:ext cx="2699182" cy="552450"/>
+            <a:off x="3874093" y="3012756"/>
+            <a:ext cx="2033702" cy="416244"/>
           </a:xfrm>
           <a:prstGeom prst="rect">
             <a:avLst/>
@@ -514,27 +582,22 @@
           </a:bodyPr>
           <a:lstStyle>
             <a:lvl1pPr marL="0" indent="0">
-              <a:buFontTx/>
               <a:buNone/>
               <a:defRPr sz="1200"/>
             </a:lvl1pPr>
             <a:lvl2pPr marL="457200" indent="0">
-              <a:buFontTx/>
               <a:buNone/>
               <a:defRPr sz="1200"/>
             </a:lvl2pPr>
             <a:lvl3pPr marL="914400" indent="0">
-              <a:buFontTx/>
               <a:buNone/>
               <a:defRPr sz="1200"/>
             </a:lvl3pPr>
             <a:lvl4pPr marL="1371600" indent="0">
-              <a:buFontTx/>
               <a:buNone/>
               <a:defRPr sz="1200"/>
             </a:lvl4pPr>
             <a:lvl5pPr marL="1828800" indent="0">
-              <a:buFontTx/>
               <a:buNone/>
               <a:defRPr sz="1200"/>
             </a:lvl5pPr>
@@ -579,10 +642,10 @@
       </p:sp>
       <p:sp>
         <p:nvSpPr>
-          <p:cNvPr id="30" name="Picture Placeholder 12">
+          <p:cNvPr id="5" name="Picture Placeholder 12">
             <a:extLst>
               <a:ext uri="{FF2B5EF4-FFF2-40B4-BE49-F238E27FC236}">
-                <a16:creationId xmlns:a16="http://schemas.microsoft.com/office/drawing/2014/main" id="{131577A1-2E62-FE49-65B7-A9F60DDAAA74}"/>
+                <a16:creationId xmlns:a16="http://schemas.microsoft.com/office/drawing/2014/main" id="{B4E7C927-3EE7-DB80-BB2A-8F23F98580A8}"/>
               </a:ext>
             </a:extLst>
           </p:cNvPr>
@@ -595,8 +658,8 @@
         </p:nvSpPr>
         <p:spPr>
           <a:xfrm>
-            <a:off x="8019372" y="438526"/>
-            <a:ext cx="2698750" cy="2332037"/>
+            <a:off x="6445065" y="435233"/>
+            <a:ext cx="2033377" cy="1757077"/>
           </a:xfrm>
           <a:prstGeom prst="rect">
             <a:avLst/>
@@ -617,10 +680,10 @@
       </p:sp>
       <p:sp>
         <p:nvSpPr>
-          <p:cNvPr id="31" name="Text Placeholder 18">
+          <p:cNvPr id="6" name="Text Placeholder 18">
             <a:extLst>
               <a:ext uri="{FF2B5EF4-FFF2-40B4-BE49-F238E27FC236}">
-                <a16:creationId xmlns:a16="http://schemas.microsoft.com/office/drawing/2014/main" id="{430902FC-BEBA-4C28-8098-AB7100D6070F}"/>
+                <a16:creationId xmlns:a16="http://schemas.microsoft.com/office/drawing/2014/main" id="{12E17C58-EA7F-68E8-B91A-EFEF58DAAD1E}"/>
               </a:ext>
             </a:extLst>
           </p:cNvPr>
@@ -633,8 +696,8 @@
         </p:nvSpPr>
         <p:spPr>
           <a:xfrm>
-            <a:off x="8019156" y="2876550"/>
-            <a:ext cx="2699182" cy="552450"/>
+            <a:off x="6445281" y="2394411"/>
+            <a:ext cx="2033702" cy="416244"/>
           </a:xfrm>
           <a:prstGeom prst="rect">
             <a:avLst/>
@@ -711,10 +774,10 @@
       </p:sp>
       <p:sp>
         <p:nvSpPr>
-          <p:cNvPr id="32" name="Text Placeholder 18">
+          <p:cNvPr id="7" name="Text Placeholder 18">
             <a:extLst>
               <a:ext uri="{FF2B5EF4-FFF2-40B4-BE49-F238E27FC236}">
-                <a16:creationId xmlns:a16="http://schemas.microsoft.com/office/drawing/2014/main" id="{1846479B-8A48-72FA-2379-4E632AEA7F17}"/>
+                <a16:creationId xmlns:a16="http://schemas.microsoft.com/office/drawing/2014/main" id="{77F7307C-1ADC-B58D-49DE-555F272FEBFD}"/>
               </a:ext>
             </a:extLst>
           </p:cNvPr>
@@ -727,8 +790,8 @@
         </p:nvSpPr>
         <p:spPr>
           <a:xfrm>
-            <a:off x="8019156" y="3534988"/>
-            <a:ext cx="2699182" cy="552450"/>
+            <a:off x="6445281" y="3012756"/>
+            <a:ext cx="2033702" cy="416244"/>
           </a:xfrm>
           <a:prstGeom prst="rect">
             <a:avLst/>
@@ -740,27 +803,1127 @@
           </a:bodyPr>
           <a:lstStyle>
             <a:lvl1pPr marL="0" indent="0">
-              <a:buFontTx/>
               <a:buNone/>
               <a:defRPr sz="1200"/>
             </a:lvl1pPr>
             <a:lvl2pPr marL="457200" indent="0">
-              <a:buFontTx/>
               <a:buNone/>
               <a:defRPr sz="1200"/>
             </a:lvl2pPr>
             <a:lvl3pPr marL="914400" indent="0">
-              <a:buFontTx/>
               <a:buNone/>
               <a:defRPr sz="1200"/>
             </a:lvl3pPr>
             <a:lvl4pPr marL="1371600" indent="0">
-              <a:buFontTx/>
               <a:buNone/>
               <a:defRPr sz="1200"/>
             </a:lvl4pPr>
             <a:lvl5pPr marL="1828800" indent="0">
-              <a:buFontTx/>
+              <a:buNone/>
+              <a:defRPr sz="1200"/>
+            </a:lvl5pPr>
+          </a:lstStyle>
+          <a:p>
+            <a:pPr lvl="0"/>
+            <a:r>
+              <a:rPr lang="en-US" dirty="0"/>
+              <a:t>Click to edit Master text styles</a:t>
+            </a:r>
+          </a:p>
+          <a:p>
+            <a:pPr lvl="1"/>
+            <a:r>
+              <a:rPr lang="en-US" dirty="0"/>
+              <a:t>Second level</a:t>
+            </a:r>
+          </a:p>
+          <a:p>
+            <a:pPr lvl="2"/>
+            <a:r>
+              <a:rPr lang="en-US" dirty="0"/>
+              <a:t>Third level</a:t>
+            </a:r>
+          </a:p>
+          <a:p>
+            <a:pPr lvl="3"/>
+            <a:r>
+              <a:rPr lang="en-US" dirty="0"/>
+              <a:t>Fourth level</a:t>
+            </a:r>
+          </a:p>
+          <a:p>
+            <a:pPr lvl="4"/>
+            <a:r>
+              <a:rPr lang="en-US" dirty="0"/>
+              <a:t>Fifth level</a:t>
+            </a:r>
+            <a:endParaRPr lang="en-MY" dirty="0"/>
+          </a:p>
+        </p:txBody>
+      </p:sp>
+      <p:sp>
+        <p:nvSpPr>
+          <p:cNvPr id="8" name="Picture Placeholder 12">
+            <a:extLst>
+              <a:ext uri="{FF2B5EF4-FFF2-40B4-BE49-F238E27FC236}">
+                <a16:creationId xmlns:a16="http://schemas.microsoft.com/office/drawing/2014/main" id="{E69102E6-5E63-FEB8-7F92-4B693625057B}"/>
+              </a:ext>
+            </a:extLst>
+          </p:cNvPr>
+          <p:cNvSpPr>
+            <a:spLocks noGrp="1"/>
+          </p:cNvSpPr>
+          <p:nvPr>
+            <p:ph type="pic" sz="quarter" idx="19"/>
+          </p:nvPr>
+        </p:nvSpPr>
+        <p:spPr>
+          <a:xfrm>
+            <a:off x="9016253" y="435233"/>
+            <a:ext cx="2033377" cy="1757077"/>
+          </a:xfrm>
+          <a:prstGeom prst="rect">
+            <a:avLst/>
+          </a:prstGeom>
+        </p:spPr>
+        <p:txBody>
+          <a:bodyPr/>
+          <a:lstStyle>
+            <a:lvl1pPr marL="0" indent="0">
+              <a:buNone/>
+              <a:defRPr/>
+            </a:lvl1pPr>
+          </a:lstStyle>
+          <a:p>
+            <a:endParaRPr lang="en-MY" dirty="0"/>
+          </a:p>
+        </p:txBody>
+      </p:sp>
+      <p:sp>
+        <p:nvSpPr>
+          <p:cNvPr id="9" name="Text Placeholder 18">
+            <a:extLst>
+              <a:ext uri="{FF2B5EF4-FFF2-40B4-BE49-F238E27FC236}">
+                <a16:creationId xmlns:a16="http://schemas.microsoft.com/office/drawing/2014/main" id="{609269E0-C5CD-A3F3-7D29-C4081E3620CB}"/>
+              </a:ext>
+            </a:extLst>
+          </p:cNvPr>
+          <p:cNvSpPr>
+            <a:spLocks noGrp="1"/>
+          </p:cNvSpPr>
+          <p:nvPr>
+            <p:ph type="body" sz="quarter" idx="20"/>
+          </p:nvPr>
+        </p:nvSpPr>
+        <p:spPr>
+          <a:xfrm>
+            <a:off x="9016253" y="2394411"/>
+            <a:ext cx="2033702" cy="416244"/>
+          </a:xfrm>
+          <a:prstGeom prst="rect">
+            <a:avLst/>
+          </a:prstGeom>
+        </p:spPr>
+        <p:txBody>
+          <a:bodyPr>
+            <a:noAutofit/>
+          </a:bodyPr>
+          <a:lstStyle>
+            <a:lvl1pPr marL="0" indent="0">
+              <a:buFontTx/>
+              <a:buNone/>
+              <a:defRPr sz="1200"/>
+            </a:lvl1pPr>
+            <a:lvl2pPr marL="457200" indent="0">
+              <a:buFontTx/>
+              <a:buNone/>
+              <a:defRPr sz="1200"/>
+            </a:lvl2pPr>
+            <a:lvl3pPr marL="914400" indent="0">
+              <a:buFontTx/>
+              <a:buNone/>
+              <a:defRPr sz="1200"/>
+            </a:lvl3pPr>
+            <a:lvl4pPr marL="1371600" indent="0">
+              <a:buFontTx/>
+              <a:buNone/>
+              <a:defRPr sz="1200"/>
+            </a:lvl4pPr>
+            <a:lvl5pPr marL="1828800" indent="0">
+              <a:buFontTx/>
+              <a:buNone/>
+              <a:defRPr sz="1200"/>
+            </a:lvl5pPr>
+          </a:lstStyle>
+          <a:p>
+            <a:pPr lvl="0"/>
+            <a:r>
+              <a:rPr lang="en-US" dirty="0"/>
+              <a:t>Click to edit Master text styles</a:t>
+            </a:r>
+          </a:p>
+          <a:p>
+            <a:pPr lvl="1"/>
+            <a:r>
+              <a:rPr lang="en-US" dirty="0"/>
+              <a:t>Second level</a:t>
+            </a:r>
+          </a:p>
+          <a:p>
+            <a:pPr lvl="2"/>
+            <a:r>
+              <a:rPr lang="en-US" dirty="0"/>
+              <a:t>Third level</a:t>
+            </a:r>
+          </a:p>
+          <a:p>
+            <a:pPr lvl="3"/>
+            <a:r>
+              <a:rPr lang="en-US" dirty="0"/>
+              <a:t>Fourth level</a:t>
+            </a:r>
+          </a:p>
+          <a:p>
+            <a:pPr lvl="4"/>
+            <a:r>
+              <a:rPr lang="en-US" dirty="0"/>
+              <a:t>Fifth level</a:t>
+            </a:r>
+            <a:endParaRPr lang="en-MY" dirty="0"/>
+          </a:p>
+        </p:txBody>
+      </p:sp>
+      <p:sp>
+        <p:nvSpPr>
+          <p:cNvPr id="10" name="Text Placeholder 18">
+            <a:extLst>
+              <a:ext uri="{FF2B5EF4-FFF2-40B4-BE49-F238E27FC236}">
+                <a16:creationId xmlns:a16="http://schemas.microsoft.com/office/drawing/2014/main" id="{B2B517E9-6030-0D73-F69E-EF79E96AC478}"/>
+              </a:ext>
+            </a:extLst>
+          </p:cNvPr>
+          <p:cNvSpPr>
+            <a:spLocks noGrp="1"/>
+          </p:cNvSpPr>
+          <p:nvPr>
+            <p:ph type="body" sz="quarter" idx="21"/>
+          </p:nvPr>
+        </p:nvSpPr>
+        <p:spPr>
+          <a:xfrm>
+            <a:off x="9016253" y="3012756"/>
+            <a:ext cx="2033702" cy="416244"/>
+          </a:xfrm>
+          <a:prstGeom prst="rect">
+            <a:avLst/>
+          </a:prstGeom>
+        </p:spPr>
+        <p:txBody>
+          <a:bodyPr>
+            <a:noAutofit/>
+          </a:bodyPr>
+          <a:lstStyle>
+            <a:lvl1pPr marL="0" indent="0">
+              <a:buNone/>
+              <a:defRPr sz="1200"/>
+            </a:lvl1pPr>
+            <a:lvl2pPr marL="457200" indent="0">
+              <a:buNone/>
+              <a:defRPr sz="1200"/>
+            </a:lvl2pPr>
+            <a:lvl3pPr marL="914400" indent="0">
+              <a:buNone/>
+              <a:defRPr sz="1200"/>
+            </a:lvl3pPr>
+            <a:lvl4pPr marL="1371600" indent="0">
+              <a:buNone/>
+              <a:defRPr sz="1200"/>
+            </a:lvl4pPr>
+            <a:lvl5pPr marL="1828800" indent="0">
+              <a:buNone/>
+              <a:defRPr sz="1200"/>
+            </a:lvl5pPr>
+          </a:lstStyle>
+          <a:p>
+            <a:pPr lvl="0"/>
+            <a:r>
+              <a:rPr lang="en-US" dirty="0"/>
+              <a:t>Click to edit Master text styles</a:t>
+            </a:r>
+          </a:p>
+          <a:p>
+            <a:pPr lvl="1"/>
+            <a:r>
+              <a:rPr lang="en-US" dirty="0"/>
+              <a:t>Second level</a:t>
+            </a:r>
+          </a:p>
+          <a:p>
+            <a:pPr lvl="2"/>
+            <a:r>
+              <a:rPr lang="en-US" dirty="0"/>
+              <a:t>Third level</a:t>
+            </a:r>
+          </a:p>
+          <a:p>
+            <a:pPr lvl="3"/>
+            <a:r>
+              <a:rPr lang="en-US" dirty="0"/>
+              <a:t>Fourth level</a:t>
+            </a:r>
+          </a:p>
+          <a:p>
+            <a:pPr lvl="4"/>
+            <a:r>
+              <a:rPr lang="en-US" dirty="0"/>
+              <a:t>Fifth level</a:t>
+            </a:r>
+            <a:endParaRPr lang="en-MY" dirty="0"/>
+          </a:p>
+        </p:txBody>
+      </p:sp>
+      <p:sp>
+        <p:nvSpPr>
+          <p:cNvPr id="11" name="Picture Placeholder 12">
+            <a:extLst>
+              <a:ext uri="{FF2B5EF4-FFF2-40B4-BE49-F238E27FC236}">
+                <a16:creationId xmlns:a16="http://schemas.microsoft.com/office/drawing/2014/main" id="{B0AA7284-C452-90C0-79A1-923631AE31E2}"/>
+              </a:ext>
+            </a:extLst>
+          </p:cNvPr>
+          <p:cNvSpPr>
+            <a:spLocks noGrp="1"/>
+          </p:cNvSpPr>
+          <p:nvPr>
+            <p:ph type="pic" sz="quarter" idx="22"/>
+          </p:nvPr>
+        </p:nvSpPr>
+        <p:spPr>
+          <a:xfrm>
+            <a:off x="1302689" y="3787152"/>
+            <a:ext cx="2033377" cy="1757077"/>
+          </a:xfrm>
+          <a:prstGeom prst="rect">
+            <a:avLst/>
+          </a:prstGeom>
+        </p:spPr>
+        <p:txBody>
+          <a:bodyPr/>
+          <a:lstStyle>
+            <a:lvl1pPr marL="0" indent="0">
+              <a:buNone/>
+              <a:defRPr/>
+            </a:lvl1pPr>
+          </a:lstStyle>
+          <a:p>
+            <a:endParaRPr lang="en-MY" dirty="0"/>
+          </a:p>
+        </p:txBody>
+      </p:sp>
+      <p:sp>
+        <p:nvSpPr>
+          <p:cNvPr id="12" name="Text Placeholder 18">
+            <a:extLst>
+              <a:ext uri="{FF2B5EF4-FFF2-40B4-BE49-F238E27FC236}">
+                <a16:creationId xmlns:a16="http://schemas.microsoft.com/office/drawing/2014/main" id="{97B5D083-571A-5C40-8105-9FB37B8E4C5A}"/>
+              </a:ext>
+            </a:extLst>
+          </p:cNvPr>
+          <p:cNvSpPr>
+            <a:spLocks noGrp="1"/>
+          </p:cNvSpPr>
+          <p:nvPr>
+            <p:ph type="body" sz="quarter" idx="23"/>
+          </p:nvPr>
+        </p:nvSpPr>
+        <p:spPr>
+          <a:xfrm>
+            <a:off x="1302689" y="5746330"/>
+            <a:ext cx="2033702" cy="416244"/>
+          </a:xfrm>
+          <a:prstGeom prst="rect">
+            <a:avLst/>
+          </a:prstGeom>
+        </p:spPr>
+        <p:txBody>
+          <a:bodyPr>
+            <a:noAutofit/>
+          </a:bodyPr>
+          <a:lstStyle>
+            <a:lvl1pPr marL="0" indent="0">
+              <a:buFontTx/>
+              <a:buNone/>
+              <a:defRPr sz="1200"/>
+            </a:lvl1pPr>
+            <a:lvl2pPr marL="457200" indent="0">
+              <a:buFontTx/>
+              <a:buNone/>
+              <a:defRPr sz="1200"/>
+            </a:lvl2pPr>
+            <a:lvl3pPr marL="914400" indent="0">
+              <a:buFontTx/>
+              <a:buNone/>
+              <a:defRPr sz="1200"/>
+            </a:lvl3pPr>
+            <a:lvl4pPr marL="1371600" indent="0">
+              <a:buFontTx/>
+              <a:buNone/>
+              <a:defRPr sz="1200"/>
+            </a:lvl4pPr>
+            <a:lvl5pPr marL="1828800" indent="0">
+              <a:buFontTx/>
+              <a:buNone/>
+              <a:defRPr sz="1200"/>
+            </a:lvl5pPr>
+          </a:lstStyle>
+          <a:p>
+            <a:pPr lvl="0"/>
+            <a:r>
+              <a:rPr lang="en-US" dirty="0"/>
+              <a:t>Click to edit Master text styles</a:t>
+            </a:r>
+          </a:p>
+          <a:p>
+            <a:pPr lvl="1"/>
+            <a:r>
+              <a:rPr lang="en-US" dirty="0"/>
+              <a:t>Second level</a:t>
+            </a:r>
+          </a:p>
+          <a:p>
+            <a:pPr lvl="2"/>
+            <a:r>
+              <a:rPr lang="en-US" dirty="0"/>
+              <a:t>Third level</a:t>
+            </a:r>
+          </a:p>
+          <a:p>
+            <a:pPr lvl="3"/>
+            <a:r>
+              <a:rPr lang="en-US" dirty="0"/>
+              <a:t>Fourth level</a:t>
+            </a:r>
+          </a:p>
+          <a:p>
+            <a:pPr lvl="4"/>
+            <a:r>
+              <a:rPr lang="en-US" dirty="0"/>
+              <a:t>Fifth level</a:t>
+            </a:r>
+            <a:endParaRPr lang="en-MY" dirty="0"/>
+          </a:p>
+        </p:txBody>
+      </p:sp>
+      <p:sp>
+        <p:nvSpPr>
+          <p:cNvPr id="14" name="Text Placeholder 18">
+            <a:extLst>
+              <a:ext uri="{FF2B5EF4-FFF2-40B4-BE49-F238E27FC236}">
+                <a16:creationId xmlns:a16="http://schemas.microsoft.com/office/drawing/2014/main" id="{3C7714EA-EC8E-164D-4CAA-1D605FDF8752}"/>
+              </a:ext>
+            </a:extLst>
+          </p:cNvPr>
+          <p:cNvSpPr>
+            <a:spLocks noGrp="1"/>
+          </p:cNvSpPr>
+          <p:nvPr>
+            <p:ph type="body" sz="quarter" idx="24"/>
+          </p:nvPr>
+        </p:nvSpPr>
+        <p:spPr>
+          <a:xfrm>
+            <a:off x="1302689" y="6364675"/>
+            <a:ext cx="2033702" cy="416244"/>
+          </a:xfrm>
+          <a:prstGeom prst="rect">
+            <a:avLst/>
+          </a:prstGeom>
+        </p:spPr>
+        <p:txBody>
+          <a:bodyPr>
+            <a:noAutofit/>
+          </a:bodyPr>
+          <a:lstStyle>
+            <a:lvl1pPr marL="0" indent="0">
+              <a:buNone/>
+              <a:defRPr sz="1200"/>
+            </a:lvl1pPr>
+            <a:lvl2pPr marL="457200" indent="0">
+              <a:buNone/>
+              <a:defRPr sz="1200"/>
+            </a:lvl2pPr>
+            <a:lvl3pPr marL="914400" indent="0">
+              <a:buNone/>
+              <a:defRPr sz="1200"/>
+            </a:lvl3pPr>
+            <a:lvl4pPr marL="1371600" indent="0">
+              <a:buNone/>
+              <a:defRPr sz="1200"/>
+            </a:lvl4pPr>
+            <a:lvl5pPr marL="1828800" indent="0">
+              <a:buNone/>
+              <a:defRPr sz="1200"/>
+            </a:lvl5pPr>
+          </a:lstStyle>
+          <a:p>
+            <a:pPr lvl="0"/>
+            <a:r>
+              <a:rPr lang="en-US" dirty="0"/>
+              <a:t>Click to edit Master text styles</a:t>
+            </a:r>
+          </a:p>
+          <a:p>
+            <a:pPr lvl="1"/>
+            <a:r>
+              <a:rPr lang="en-US" dirty="0"/>
+              <a:t>Second level</a:t>
+            </a:r>
+          </a:p>
+          <a:p>
+            <a:pPr lvl="2"/>
+            <a:r>
+              <a:rPr lang="en-US" dirty="0"/>
+              <a:t>Third level</a:t>
+            </a:r>
+          </a:p>
+          <a:p>
+            <a:pPr lvl="3"/>
+            <a:r>
+              <a:rPr lang="en-US" dirty="0"/>
+              <a:t>Fourth level</a:t>
+            </a:r>
+          </a:p>
+          <a:p>
+            <a:pPr lvl="4"/>
+            <a:r>
+              <a:rPr lang="en-US" dirty="0"/>
+              <a:t>Fifth level</a:t>
+            </a:r>
+            <a:endParaRPr lang="en-MY" dirty="0"/>
+          </a:p>
+        </p:txBody>
+      </p:sp>
+      <p:sp>
+        <p:nvSpPr>
+          <p:cNvPr id="15" name="Picture Placeholder 12">
+            <a:extLst>
+              <a:ext uri="{FF2B5EF4-FFF2-40B4-BE49-F238E27FC236}">
+                <a16:creationId xmlns:a16="http://schemas.microsoft.com/office/drawing/2014/main" id="{15985BEE-D044-D058-B203-86810E9F15F0}"/>
+              </a:ext>
+            </a:extLst>
+          </p:cNvPr>
+          <p:cNvSpPr>
+            <a:spLocks noGrp="1"/>
+          </p:cNvSpPr>
+          <p:nvPr>
+            <p:ph type="pic" sz="quarter" idx="25"/>
+          </p:nvPr>
+        </p:nvSpPr>
+        <p:spPr>
+          <a:xfrm>
+            <a:off x="3873877" y="3787152"/>
+            <a:ext cx="2033377" cy="1757077"/>
+          </a:xfrm>
+          <a:prstGeom prst="rect">
+            <a:avLst/>
+          </a:prstGeom>
+        </p:spPr>
+        <p:txBody>
+          <a:bodyPr/>
+          <a:lstStyle>
+            <a:lvl1pPr marL="0" indent="0">
+              <a:buNone/>
+              <a:defRPr/>
+            </a:lvl1pPr>
+          </a:lstStyle>
+          <a:p>
+            <a:endParaRPr lang="en-MY" dirty="0"/>
+          </a:p>
+        </p:txBody>
+      </p:sp>
+      <p:sp>
+        <p:nvSpPr>
+          <p:cNvPr id="16" name="Text Placeholder 18">
+            <a:extLst>
+              <a:ext uri="{FF2B5EF4-FFF2-40B4-BE49-F238E27FC236}">
+                <a16:creationId xmlns:a16="http://schemas.microsoft.com/office/drawing/2014/main" id="{21C3A3D7-E662-5A68-92F7-ECC86BEADB3B}"/>
+              </a:ext>
+            </a:extLst>
+          </p:cNvPr>
+          <p:cNvSpPr>
+            <a:spLocks noGrp="1"/>
+          </p:cNvSpPr>
+          <p:nvPr>
+            <p:ph type="body" sz="quarter" idx="26"/>
+          </p:nvPr>
+        </p:nvSpPr>
+        <p:spPr>
+          <a:xfrm>
+            <a:off x="3874093" y="5746330"/>
+            <a:ext cx="2033702" cy="416244"/>
+          </a:xfrm>
+          <a:prstGeom prst="rect">
+            <a:avLst/>
+          </a:prstGeom>
+        </p:spPr>
+        <p:txBody>
+          <a:bodyPr>
+            <a:noAutofit/>
+          </a:bodyPr>
+          <a:lstStyle>
+            <a:lvl1pPr marL="0" indent="0">
+              <a:buFontTx/>
+              <a:buNone/>
+              <a:defRPr sz="1200"/>
+            </a:lvl1pPr>
+            <a:lvl2pPr marL="457200" indent="0">
+              <a:buFontTx/>
+              <a:buNone/>
+              <a:defRPr sz="1200"/>
+            </a:lvl2pPr>
+            <a:lvl3pPr marL="914400" indent="0">
+              <a:buFontTx/>
+              <a:buNone/>
+              <a:defRPr sz="1200"/>
+            </a:lvl3pPr>
+            <a:lvl4pPr marL="1371600" indent="0">
+              <a:buFontTx/>
+              <a:buNone/>
+              <a:defRPr sz="1200"/>
+            </a:lvl4pPr>
+            <a:lvl5pPr marL="1828800" indent="0">
+              <a:buFontTx/>
+              <a:buNone/>
+              <a:defRPr sz="1200"/>
+            </a:lvl5pPr>
+          </a:lstStyle>
+          <a:p>
+            <a:pPr lvl="0"/>
+            <a:r>
+              <a:rPr lang="en-US" dirty="0"/>
+              <a:t>Click to edit Master text styles</a:t>
+            </a:r>
+          </a:p>
+          <a:p>
+            <a:pPr lvl="1"/>
+            <a:r>
+              <a:rPr lang="en-US" dirty="0"/>
+              <a:t>Second level</a:t>
+            </a:r>
+          </a:p>
+          <a:p>
+            <a:pPr lvl="2"/>
+            <a:r>
+              <a:rPr lang="en-US" dirty="0"/>
+              <a:t>Third level</a:t>
+            </a:r>
+          </a:p>
+          <a:p>
+            <a:pPr lvl="3"/>
+            <a:r>
+              <a:rPr lang="en-US" dirty="0"/>
+              <a:t>Fourth level</a:t>
+            </a:r>
+          </a:p>
+          <a:p>
+            <a:pPr lvl="4"/>
+            <a:r>
+              <a:rPr lang="en-US" dirty="0"/>
+              <a:t>Fifth level</a:t>
+            </a:r>
+            <a:endParaRPr lang="en-MY" dirty="0"/>
+          </a:p>
+        </p:txBody>
+      </p:sp>
+      <p:sp>
+        <p:nvSpPr>
+          <p:cNvPr id="17" name="Text Placeholder 18">
+            <a:extLst>
+              <a:ext uri="{FF2B5EF4-FFF2-40B4-BE49-F238E27FC236}">
+                <a16:creationId xmlns:a16="http://schemas.microsoft.com/office/drawing/2014/main" id="{9D8067F9-6F6A-59EC-E11D-BD8E7EB09372}"/>
+              </a:ext>
+            </a:extLst>
+          </p:cNvPr>
+          <p:cNvSpPr>
+            <a:spLocks noGrp="1"/>
+          </p:cNvSpPr>
+          <p:nvPr>
+            <p:ph type="body" sz="quarter" idx="27"/>
+          </p:nvPr>
+        </p:nvSpPr>
+        <p:spPr>
+          <a:xfrm>
+            <a:off x="3874093" y="6364675"/>
+            <a:ext cx="2033702" cy="416244"/>
+          </a:xfrm>
+          <a:prstGeom prst="rect">
+            <a:avLst/>
+          </a:prstGeom>
+        </p:spPr>
+        <p:txBody>
+          <a:bodyPr>
+            <a:noAutofit/>
+          </a:bodyPr>
+          <a:lstStyle>
+            <a:lvl1pPr marL="0" indent="0">
+              <a:buNone/>
+              <a:defRPr sz="1200"/>
+            </a:lvl1pPr>
+            <a:lvl2pPr marL="457200" indent="0">
+              <a:buNone/>
+              <a:defRPr sz="1200"/>
+            </a:lvl2pPr>
+            <a:lvl3pPr marL="914400" indent="0">
+              <a:buNone/>
+              <a:defRPr sz="1200"/>
+            </a:lvl3pPr>
+            <a:lvl4pPr marL="1371600" indent="0">
+              <a:buNone/>
+              <a:defRPr sz="1200"/>
+            </a:lvl4pPr>
+            <a:lvl5pPr marL="1828800" indent="0">
+              <a:buNone/>
+              <a:defRPr sz="1200"/>
+            </a:lvl5pPr>
+          </a:lstStyle>
+          <a:p>
+            <a:pPr lvl="0"/>
+            <a:r>
+              <a:rPr lang="en-US" dirty="0"/>
+              <a:t>Click to edit Master text styles</a:t>
+            </a:r>
+          </a:p>
+          <a:p>
+            <a:pPr lvl="1"/>
+            <a:r>
+              <a:rPr lang="en-US" dirty="0"/>
+              <a:t>Second level</a:t>
+            </a:r>
+          </a:p>
+          <a:p>
+            <a:pPr lvl="2"/>
+            <a:r>
+              <a:rPr lang="en-US" dirty="0"/>
+              <a:t>Third level</a:t>
+            </a:r>
+          </a:p>
+          <a:p>
+            <a:pPr lvl="3"/>
+            <a:r>
+              <a:rPr lang="en-US" dirty="0"/>
+              <a:t>Fourth level</a:t>
+            </a:r>
+          </a:p>
+          <a:p>
+            <a:pPr lvl="4"/>
+            <a:r>
+              <a:rPr lang="en-US" dirty="0"/>
+              <a:t>Fifth level</a:t>
+            </a:r>
+            <a:endParaRPr lang="en-MY" dirty="0"/>
+          </a:p>
+        </p:txBody>
+      </p:sp>
+      <p:sp>
+        <p:nvSpPr>
+          <p:cNvPr id="18" name="Picture Placeholder 12">
+            <a:extLst>
+              <a:ext uri="{FF2B5EF4-FFF2-40B4-BE49-F238E27FC236}">
+                <a16:creationId xmlns:a16="http://schemas.microsoft.com/office/drawing/2014/main" id="{640EF13D-117C-EEF3-B3AB-8E2C8DF0F337}"/>
+              </a:ext>
+            </a:extLst>
+          </p:cNvPr>
+          <p:cNvSpPr>
+            <a:spLocks noGrp="1"/>
+          </p:cNvSpPr>
+          <p:nvPr>
+            <p:ph type="pic" sz="quarter" idx="28"/>
+          </p:nvPr>
+        </p:nvSpPr>
+        <p:spPr>
+          <a:xfrm>
+            <a:off x="6445065" y="3787152"/>
+            <a:ext cx="2033377" cy="1757077"/>
+          </a:xfrm>
+          <a:prstGeom prst="rect">
+            <a:avLst/>
+          </a:prstGeom>
+        </p:spPr>
+        <p:txBody>
+          <a:bodyPr/>
+          <a:lstStyle>
+            <a:lvl1pPr marL="0" indent="0">
+              <a:buNone/>
+              <a:defRPr/>
+            </a:lvl1pPr>
+          </a:lstStyle>
+          <a:p>
+            <a:endParaRPr lang="en-MY" dirty="0"/>
+          </a:p>
+        </p:txBody>
+      </p:sp>
+      <p:sp>
+        <p:nvSpPr>
+          <p:cNvPr id="21" name="Text Placeholder 18">
+            <a:extLst>
+              <a:ext uri="{FF2B5EF4-FFF2-40B4-BE49-F238E27FC236}">
+                <a16:creationId xmlns:a16="http://schemas.microsoft.com/office/drawing/2014/main" id="{3F081F62-C4F1-53CC-9B59-F383C4A02629}"/>
+              </a:ext>
+            </a:extLst>
+          </p:cNvPr>
+          <p:cNvSpPr>
+            <a:spLocks noGrp="1"/>
+          </p:cNvSpPr>
+          <p:nvPr>
+            <p:ph type="body" sz="quarter" idx="29"/>
+          </p:nvPr>
+        </p:nvSpPr>
+        <p:spPr>
+          <a:xfrm>
+            <a:off x="6445281" y="5746330"/>
+            <a:ext cx="2033702" cy="416244"/>
+          </a:xfrm>
+          <a:prstGeom prst="rect">
+            <a:avLst/>
+          </a:prstGeom>
+        </p:spPr>
+        <p:txBody>
+          <a:bodyPr>
+            <a:noAutofit/>
+          </a:bodyPr>
+          <a:lstStyle>
+            <a:lvl1pPr marL="0" indent="0">
+              <a:buFontTx/>
+              <a:buNone/>
+              <a:defRPr sz="1200"/>
+            </a:lvl1pPr>
+            <a:lvl2pPr marL="457200" indent="0">
+              <a:buFontTx/>
+              <a:buNone/>
+              <a:defRPr sz="1200"/>
+            </a:lvl2pPr>
+            <a:lvl3pPr marL="914400" indent="0">
+              <a:buFontTx/>
+              <a:buNone/>
+              <a:defRPr sz="1200"/>
+            </a:lvl3pPr>
+            <a:lvl4pPr marL="1371600" indent="0">
+              <a:buFontTx/>
+              <a:buNone/>
+              <a:defRPr sz="1200"/>
+            </a:lvl4pPr>
+            <a:lvl5pPr marL="1828800" indent="0">
+              <a:buFontTx/>
+              <a:buNone/>
+              <a:defRPr sz="1200"/>
+            </a:lvl5pPr>
+          </a:lstStyle>
+          <a:p>
+            <a:pPr lvl="0"/>
+            <a:r>
+              <a:rPr lang="en-US" dirty="0"/>
+              <a:t>Click to edit Master text styles</a:t>
+            </a:r>
+          </a:p>
+          <a:p>
+            <a:pPr lvl="1"/>
+            <a:r>
+              <a:rPr lang="en-US" dirty="0"/>
+              <a:t>Second level</a:t>
+            </a:r>
+          </a:p>
+          <a:p>
+            <a:pPr lvl="2"/>
+            <a:r>
+              <a:rPr lang="en-US" dirty="0"/>
+              <a:t>Third level</a:t>
+            </a:r>
+          </a:p>
+          <a:p>
+            <a:pPr lvl="3"/>
+            <a:r>
+              <a:rPr lang="en-US" dirty="0"/>
+              <a:t>Fourth level</a:t>
+            </a:r>
+          </a:p>
+          <a:p>
+            <a:pPr lvl="4"/>
+            <a:r>
+              <a:rPr lang="en-US" dirty="0"/>
+              <a:t>Fifth level</a:t>
+            </a:r>
+            <a:endParaRPr lang="en-MY" dirty="0"/>
+          </a:p>
+        </p:txBody>
+      </p:sp>
+      <p:sp>
+        <p:nvSpPr>
+          <p:cNvPr id="22" name="Text Placeholder 18">
+            <a:extLst>
+              <a:ext uri="{FF2B5EF4-FFF2-40B4-BE49-F238E27FC236}">
+                <a16:creationId xmlns:a16="http://schemas.microsoft.com/office/drawing/2014/main" id="{2ACCD74F-B908-754F-96F1-A373F2BD5224}"/>
+              </a:ext>
+            </a:extLst>
+          </p:cNvPr>
+          <p:cNvSpPr>
+            <a:spLocks noGrp="1"/>
+          </p:cNvSpPr>
+          <p:nvPr>
+            <p:ph type="body" sz="quarter" idx="30"/>
+          </p:nvPr>
+        </p:nvSpPr>
+        <p:spPr>
+          <a:xfrm>
+            <a:off x="6445281" y="6364675"/>
+            <a:ext cx="2033702" cy="416244"/>
+          </a:xfrm>
+          <a:prstGeom prst="rect">
+            <a:avLst/>
+          </a:prstGeom>
+        </p:spPr>
+        <p:txBody>
+          <a:bodyPr>
+            <a:noAutofit/>
+          </a:bodyPr>
+          <a:lstStyle>
+            <a:lvl1pPr marL="0" indent="0">
+              <a:buNone/>
+              <a:defRPr sz="1200"/>
+            </a:lvl1pPr>
+            <a:lvl2pPr marL="457200" indent="0">
+              <a:buNone/>
+              <a:defRPr sz="1200"/>
+            </a:lvl2pPr>
+            <a:lvl3pPr marL="914400" indent="0">
+              <a:buNone/>
+              <a:defRPr sz="1200"/>
+            </a:lvl3pPr>
+            <a:lvl4pPr marL="1371600" indent="0">
+              <a:buNone/>
+              <a:defRPr sz="1200"/>
+            </a:lvl4pPr>
+            <a:lvl5pPr marL="1828800" indent="0">
+              <a:buNone/>
+              <a:defRPr sz="1200"/>
+            </a:lvl5pPr>
+          </a:lstStyle>
+          <a:p>
+            <a:pPr lvl="0"/>
+            <a:r>
+              <a:rPr lang="en-US" dirty="0"/>
+              <a:t>Click to edit Master text styles</a:t>
+            </a:r>
+          </a:p>
+          <a:p>
+            <a:pPr lvl="1"/>
+            <a:r>
+              <a:rPr lang="en-US" dirty="0"/>
+              <a:t>Second level</a:t>
+            </a:r>
+          </a:p>
+          <a:p>
+            <a:pPr lvl="2"/>
+            <a:r>
+              <a:rPr lang="en-US" dirty="0"/>
+              <a:t>Third level</a:t>
+            </a:r>
+          </a:p>
+          <a:p>
+            <a:pPr lvl="3"/>
+            <a:r>
+              <a:rPr lang="en-US" dirty="0"/>
+              <a:t>Fourth level</a:t>
+            </a:r>
+          </a:p>
+          <a:p>
+            <a:pPr lvl="4"/>
+            <a:r>
+              <a:rPr lang="en-US" dirty="0"/>
+              <a:t>Fifth level</a:t>
+            </a:r>
+            <a:endParaRPr lang="en-MY" dirty="0"/>
+          </a:p>
+        </p:txBody>
+      </p:sp>
+      <p:sp>
+        <p:nvSpPr>
+          <p:cNvPr id="23" name="Picture Placeholder 12">
+            <a:extLst>
+              <a:ext uri="{FF2B5EF4-FFF2-40B4-BE49-F238E27FC236}">
+                <a16:creationId xmlns:a16="http://schemas.microsoft.com/office/drawing/2014/main" id="{5FE3884E-FC43-2ABD-0DFF-9CBC652EEDD6}"/>
+              </a:ext>
+            </a:extLst>
+          </p:cNvPr>
+          <p:cNvSpPr>
+            <a:spLocks noGrp="1"/>
+          </p:cNvSpPr>
+          <p:nvPr>
+            <p:ph type="pic" sz="quarter" idx="31"/>
+          </p:nvPr>
+        </p:nvSpPr>
+        <p:spPr>
+          <a:xfrm>
+            <a:off x="9016253" y="3787152"/>
+            <a:ext cx="2033377" cy="1757077"/>
+          </a:xfrm>
+          <a:prstGeom prst="rect">
+            <a:avLst/>
+          </a:prstGeom>
+        </p:spPr>
+        <p:txBody>
+          <a:bodyPr/>
+          <a:lstStyle>
+            <a:lvl1pPr marL="0" indent="0">
+              <a:buNone/>
+              <a:defRPr/>
+            </a:lvl1pPr>
+          </a:lstStyle>
+          <a:p>
+            <a:endParaRPr lang="en-MY" dirty="0"/>
+          </a:p>
+        </p:txBody>
+      </p:sp>
+      <p:sp>
+        <p:nvSpPr>
+          <p:cNvPr id="24" name="Text Placeholder 18">
+            <a:extLst>
+              <a:ext uri="{FF2B5EF4-FFF2-40B4-BE49-F238E27FC236}">
+                <a16:creationId xmlns:a16="http://schemas.microsoft.com/office/drawing/2014/main" id="{81DCBA4E-DC2C-12C5-2093-E3A75BC0F08F}"/>
+              </a:ext>
+            </a:extLst>
+          </p:cNvPr>
+          <p:cNvSpPr>
+            <a:spLocks noGrp="1"/>
+          </p:cNvSpPr>
+          <p:nvPr>
+            <p:ph type="body" sz="quarter" idx="32"/>
+          </p:nvPr>
+        </p:nvSpPr>
+        <p:spPr>
+          <a:xfrm>
+            <a:off x="9016253" y="5746330"/>
+            <a:ext cx="2033702" cy="416244"/>
+          </a:xfrm>
+          <a:prstGeom prst="rect">
+            <a:avLst/>
+          </a:prstGeom>
+        </p:spPr>
+        <p:txBody>
+          <a:bodyPr>
+            <a:noAutofit/>
+          </a:bodyPr>
+          <a:lstStyle>
+            <a:lvl1pPr marL="0" indent="0">
+              <a:buFontTx/>
+              <a:buNone/>
+              <a:defRPr sz="1200"/>
+            </a:lvl1pPr>
+            <a:lvl2pPr marL="457200" indent="0">
+              <a:buFontTx/>
+              <a:buNone/>
+              <a:defRPr sz="1200"/>
+            </a:lvl2pPr>
+            <a:lvl3pPr marL="914400" indent="0">
+              <a:buFontTx/>
+              <a:buNone/>
+              <a:defRPr sz="1200"/>
+            </a:lvl3pPr>
+            <a:lvl4pPr marL="1371600" indent="0">
+              <a:buFontTx/>
+              <a:buNone/>
+              <a:defRPr sz="1200"/>
+            </a:lvl4pPr>
+            <a:lvl5pPr marL="1828800" indent="0">
+              <a:buFontTx/>
+              <a:buNone/>
+              <a:defRPr sz="1200"/>
+            </a:lvl5pPr>
+          </a:lstStyle>
+          <a:p>
+            <a:pPr lvl="0"/>
+            <a:r>
+              <a:rPr lang="en-US" dirty="0"/>
+              <a:t>Click to edit Master text styles</a:t>
+            </a:r>
+          </a:p>
+          <a:p>
+            <a:pPr lvl="1"/>
+            <a:r>
+              <a:rPr lang="en-US" dirty="0"/>
+              <a:t>Second level</a:t>
+            </a:r>
+          </a:p>
+          <a:p>
+            <a:pPr lvl="2"/>
+            <a:r>
+              <a:rPr lang="en-US" dirty="0"/>
+              <a:t>Third level</a:t>
+            </a:r>
+          </a:p>
+          <a:p>
+            <a:pPr lvl="3"/>
+            <a:r>
+              <a:rPr lang="en-US" dirty="0"/>
+              <a:t>Fourth level</a:t>
+            </a:r>
+          </a:p>
+          <a:p>
+            <a:pPr lvl="4"/>
+            <a:r>
+              <a:rPr lang="en-US" dirty="0"/>
+              <a:t>Fifth level</a:t>
+            </a:r>
+            <a:endParaRPr lang="en-MY" dirty="0"/>
+          </a:p>
+        </p:txBody>
+      </p:sp>
+      <p:sp>
+        <p:nvSpPr>
+          <p:cNvPr id="25" name="Text Placeholder 18">
+            <a:extLst>
+              <a:ext uri="{FF2B5EF4-FFF2-40B4-BE49-F238E27FC236}">
+                <a16:creationId xmlns:a16="http://schemas.microsoft.com/office/drawing/2014/main" id="{0C6A7B4F-C506-D561-709F-0328B8467484}"/>
+              </a:ext>
+            </a:extLst>
+          </p:cNvPr>
+          <p:cNvSpPr>
+            <a:spLocks noGrp="1"/>
+          </p:cNvSpPr>
+          <p:nvPr>
+            <p:ph type="body" sz="quarter" idx="33"/>
+          </p:nvPr>
+        </p:nvSpPr>
+        <p:spPr>
+          <a:xfrm>
+            <a:off x="9016253" y="6364675"/>
+            <a:ext cx="2033702" cy="416244"/>
+          </a:xfrm>
+          <a:prstGeom prst="rect">
+            <a:avLst/>
+          </a:prstGeom>
+        </p:spPr>
+        <p:txBody>
+          <a:bodyPr>
+            <a:noAutofit/>
+          </a:bodyPr>
+          <a:lstStyle>
+            <a:lvl1pPr marL="0" indent="0">
+              <a:buNone/>
+              <a:defRPr sz="1200"/>
+            </a:lvl1pPr>
+            <a:lvl2pPr marL="457200" indent="0">
+              <a:buNone/>
+              <a:defRPr sz="1200"/>
+            </a:lvl2pPr>
+            <a:lvl3pPr marL="914400" indent="0">
+              <a:buNone/>
+              <a:defRPr sz="1200"/>
+            </a:lvl3pPr>
+            <a:lvl4pPr marL="1371600" indent="0">
+              <a:buNone/>
+              <a:defRPr sz="1200"/>
+            </a:lvl4pPr>
+            <a:lvl5pPr marL="1828800" indent="0">
               <a:buNone/>
               <a:defRPr sz="1200"/>
             </a:lvl5pPr>
@@ -915,7 +2078,8 @@
   </p:cSld>
   <p:clrMap bg1="lt1" tx1="dk1" bg2="lt2" tx2="dk2" accent1="accent1" accent2="accent2" accent3="accent3" accent4="accent4" accent5="accent5" accent6="accent6" hlink="hlink" folHlink="folHlink"/>
   <p:sldLayoutIdLst>
-    <p:sldLayoutId id="2147483649" r:id="rId1"/>
+    <p:sldLayoutId id="2147483650" r:id="rId1"/>
+    <p:sldLayoutId id="2147483649" r:id="rId2"/>
   </p:sldLayoutIdLst>
   <p:txStyles>
     <p:titleStyle>
@@ -1306,6 +2470,45 @@
         <p:nvPr/>
       </p:nvGrpSpPr>
       <p:grpSpPr/>
+      <p:sp>
+        <p:nvSpPr>
+          <p:cNvPr id="2" name="Title 1"/>
+          <p:cNvSpPr>
+            <a:spLocks noGrp="1"/>
+          </p:cNvSpPr>
+          <p:nvPr>
+            <p:ph type="title"/>
+          </p:nvPr>
+        </p:nvSpPr>
+        <p:spPr/>
+        <p:txBody>
+          <a:bodyPr/>
+          <a:lstStyle/>
+          <a:p>
+            <a:r>
+              <a:t>Beverage</a:t>
+            </a:r>
+          </a:p>
+        </p:txBody>
+      </p:sp>
+    </p:spTree>
+  </p:cSld>
+  <p:clrMapOvr>
+    <a:masterClrMapping/>
+  </p:clrMapOvr>
+</p:sld>
+</file>
+
+<file path=ppt/slides/slide3.xml><?xml version="1.0" encoding="utf-8"?>
+<p:sld xmlns:a="http://schemas.openxmlformats.org/drawingml/2006/main" xmlns:p="http://schemas.openxmlformats.org/presentationml/2006/main" xmlns:r="http://schemas.openxmlformats.org/officeDocument/2006/relationships">
+  <p:cSld>
+    <p:spTree>
+      <p:nvGrpSpPr>
+        <p:cNvPr id="1" name=""/>
+        <p:cNvGrpSpPr/>
+        <p:nvPr/>
+      </p:nvGrpSpPr>
+      <p:grpSpPr/>
       <p:pic>
         <p:nvPicPr>
           <p:cNvPr id="2" name="Picture Placeholder 1" descr="Organic Purple Rice Congee (320ml) 有机紫米八宝粥.jpg"/>
@@ -1367,18 +2570,25 @@
           </a:p>
         </p:txBody>
       </p:sp>
-      <p:sp>
-        <p:nvSpPr>
-          <p:cNvPr id="5" name="Picture Placeholder 4"/>
-          <p:cNvSpPr>
-            <a:spLocks noGrp="1"/>
-          </p:cNvSpPr>
+      <p:pic>
+        <p:nvPicPr>
+          <p:cNvPr id="5" name="Picture Placeholder 4" descr="Organic Purple Rice Congee (320ml) 有机紫米八宝粥.jpg"/>
+          <p:cNvPicPr>
+            <a:picLocks noGrp="1" noChangeAspect="1"/>
+          </p:cNvPicPr>
           <p:nvPr>
             <p:ph type="pic" idx="13" sz="quarter"/>
           </p:nvPr>
-        </p:nvSpPr>
+        </p:nvPicPr>
+        <p:blipFill>
+          <a:blip r:embed="rId2"/>
+          <a:srcRect l="3228" r="3228"/>
+          <a:stretch>
+            <a:fillRect/>
+          </a:stretch>
+        </p:blipFill>
         <p:spPr/>
-      </p:sp>
+      </p:pic>
       <p:sp>
         <p:nvSpPr>
           <p:cNvPr id="6" name="Text Placeholder 5"/>
@@ -1393,7 +2603,11 @@
         <p:txBody>
           <a:bodyPr/>
           <a:lstStyle/>
-          <a:p/>
+          <a:p>
+            <a:r>
+              <a:t>Organic Purple Rice Congee (320ml) 有机紫米八宝粥</a:t>
+            </a:r>
+          </a:p>
         </p:txBody>
       </p:sp>
       <p:sp>
@@ -1410,21 +2624,32 @@
         <p:txBody>
           <a:bodyPr/>
           <a:lstStyle/>
-          <a:p/>
-        </p:txBody>
-      </p:sp>
-      <p:sp>
-        <p:nvSpPr>
-          <p:cNvPr id="8" name="Picture Placeholder 7"/>
-          <p:cNvSpPr>
-            <a:spLocks noGrp="1"/>
-          </p:cNvSpPr>
+          <a:p>
+            <a:r>
+              <a:t>RM9.90MYR</a:t>
+            </a:r>
+          </a:p>
+        </p:txBody>
+      </p:sp>
+      <p:pic>
+        <p:nvPicPr>
+          <p:cNvPr id="8" name="Picture Placeholder 7" descr="Organic Purple Rice Congee (320ml) 有机紫米八宝粥.jpg"/>
+          <p:cNvPicPr>
+            <a:picLocks noGrp="1" noChangeAspect="1"/>
+          </p:cNvPicPr>
           <p:nvPr>
             <p:ph type="pic" idx="16" sz="quarter"/>
           </p:nvPr>
-        </p:nvSpPr>
+        </p:nvPicPr>
+        <p:blipFill>
+          <a:blip r:embed="rId2"/>
+          <a:srcRect l="3228" r="3228"/>
+          <a:stretch>
+            <a:fillRect/>
+          </a:stretch>
+        </p:blipFill>
         <p:spPr/>
-      </p:sp>
+      </p:pic>
       <p:sp>
         <p:nvSpPr>
           <p:cNvPr id="9" name="Text Placeholder 8"/>
@@ -1439,7 +2664,11 @@
         <p:txBody>
           <a:bodyPr/>
           <a:lstStyle/>
-          <a:p/>
+          <a:p>
+            <a:r>
+              <a:t>Organic Purple Rice Congee (320ml) 有机紫米八宝粥</a:t>
+            </a:r>
+          </a:p>
         </p:txBody>
       </p:sp>
       <p:sp>
@@ -1456,7 +2685,316 @@
         <p:txBody>
           <a:bodyPr/>
           <a:lstStyle/>
-          <a:p/>
+          <a:p>
+            <a:r>
+              <a:t>RM9.90MYR</a:t>
+            </a:r>
+          </a:p>
+        </p:txBody>
+      </p:sp>
+      <p:pic>
+        <p:nvPicPr>
+          <p:cNvPr id="11" name="Picture Placeholder 10" descr="Organic Purple Rice Congee (320ml) 有机紫米八宝粥.jpg"/>
+          <p:cNvPicPr>
+            <a:picLocks noGrp="1" noChangeAspect="1"/>
+          </p:cNvPicPr>
+          <p:nvPr>
+            <p:ph type="pic" idx="19" sz="quarter"/>
+          </p:nvPr>
+        </p:nvPicPr>
+        <p:blipFill>
+          <a:blip r:embed="rId2"/>
+          <a:srcRect l="3228" r="3228"/>
+          <a:stretch>
+            <a:fillRect/>
+          </a:stretch>
+        </p:blipFill>
+        <p:spPr/>
+      </p:pic>
+      <p:sp>
+        <p:nvSpPr>
+          <p:cNvPr id="12" name="Text Placeholder 11"/>
+          <p:cNvSpPr>
+            <a:spLocks noGrp="1"/>
+          </p:cNvSpPr>
+          <p:nvPr>
+            <p:ph type="body" idx="20" sz="quarter"/>
+          </p:nvPr>
+        </p:nvSpPr>
+        <p:spPr/>
+        <p:txBody>
+          <a:bodyPr/>
+          <a:lstStyle/>
+          <a:p>
+            <a:r>
+              <a:t>Organic Purple Rice Congee (320ml) 有机紫米八宝粥</a:t>
+            </a:r>
+          </a:p>
+        </p:txBody>
+      </p:sp>
+      <p:sp>
+        <p:nvSpPr>
+          <p:cNvPr id="13" name="Text Placeholder 12"/>
+          <p:cNvSpPr>
+            <a:spLocks noGrp="1"/>
+          </p:cNvSpPr>
+          <p:nvPr>
+            <p:ph type="body" idx="21" sz="quarter"/>
+          </p:nvPr>
+        </p:nvSpPr>
+        <p:spPr/>
+        <p:txBody>
+          <a:bodyPr/>
+          <a:lstStyle/>
+          <a:p>
+            <a:r>
+              <a:t>RM9.90MYR</a:t>
+            </a:r>
+          </a:p>
+        </p:txBody>
+      </p:sp>
+      <p:pic>
+        <p:nvPicPr>
+          <p:cNvPr id="14" name="Picture Placeholder 13" descr="Organic Purple Rice Congee (320ml) 有机紫米八宝粥.jpg"/>
+          <p:cNvPicPr>
+            <a:picLocks noGrp="1" noChangeAspect="1"/>
+          </p:cNvPicPr>
+          <p:nvPr>
+            <p:ph type="pic" idx="22" sz="quarter"/>
+          </p:nvPr>
+        </p:nvPicPr>
+        <p:blipFill>
+          <a:blip r:embed="rId2"/>
+          <a:srcRect l="3228" r="3228"/>
+          <a:stretch>
+            <a:fillRect/>
+          </a:stretch>
+        </p:blipFill>
+        <p:spPr/>
+      </p:pic>
+      <p:sp>
+        <p:nvSpPr>
+          <p:cNvPr id="15" name="Text Placeholder 14"/>
+          <p:cNvSpPr>
+            <a:spLocks noGrp="1"/>
+          </p:cNvSpPr>
+          <p:nvPr>
+            <p:ph type="body" idx="23" sz="quarter"/>
+          </p:nvPr>
+        </p:nvSpPr>
+        <p:spPr/>
+        <p:txBody>
+          <a:bodyPr/>
+          <a:lstStyle/>
+          <a:p>
+            <a:r>
+              <a:t>Organic Purple Rice Congee (320ml) 有机紫米八宝粥</a:t>
+            </a:r>
+          </a:p>
+        </p:txBody>
+      </p:sp>
+      <p:sp>
+        <p:nvSpPr>
+          <p:cNvPr id="16" name="Text Placeholder 15"/>
+          <p:cNvSpPr>
+            <a:spLocks noGrp="1"/>
+          </p:cNvSpPr>
+          <p:nvPr>
+            <p:ph type="body" idx="24" sz="quarter"/>
+          </p:nvPr>
+        </p:nvSpPr>
+        <p:spPr/>
+        <p:txBody>
+          <a:bodyPr/>
+          <a:lstStyle/>
+          <a:p>
+            <a:r>
+              <a:t>RM9.90MYR</a:t>
+            </a:r>
+          </a:p>
+        </p:txBody>
+      </p:sp>
+      <p:pic>
+        <p:nvPicPr>
+          <p:cNvPr id="17" name="Picture Placeholder 16" descr="Organic Purple Rice Congee (320ml) 有机紫米八宝粥.jpg"/>
+          <p:cNvPicPr>
+            <a:picLocks noGrp="1" noChangeAspect="1"/>
+          </p:cNvPicPr>
+          <p:nvPr>
+            <p:ph type="pic" idx="25" sz="quarter"/>
+          </p:nvPr>
+        </p:nvPicPr>
+        <p:blipFill>
+          <a:blip r:embed="rId2"/>
+          <a:srcRect l="3228" r="3228"/>
+          <a:stretch>
+            <a:fillRect/>
+          </a:stretch>
+        </p:blipFill>
+        <p:spPr/>
+      </p:pic>
+      <p:sp>
+        <p:nvSpPr>
+          <p:cNvPr id="18" name="Text Placeholder 17"/>
+          <p:cNvSpPr>
+            <a:spLocks noGrp="1"/>
+          </p:cNvSpPr>
+          <p:nvPr>
+            <p:ph type="body" idx="26" sz="quarter"/>
+          </p:nvPr>
+        </p:nvSpPr>
+        <p:spPr/>
+        <p:txBody>
+          <a:bodyPr/>
+          <a:lstStyle/>
+          <a:p>
+            <a:r>
+              <a:t>Organic Purple Rice Congee (320ml) 有机紫米八宝粥</a:t>
+            </a:r>
+          </a:p>
+        </p:txBody>
+      </p:sp>
+      <p:sp>
+        <p:nvSpPr>
+          <p:cNvPr id="19" name="Text Placeholder 18"/>
+          <p:cNvSpPr>
+            <a:spLocks noGrp="1"/>
+          </p:cNvSpPr>
+          <p:nvPr>
+            <p:ph type="body" idx="27" sz="quarter"/>
+          </p:nvPr>
+        </p:nvSpPr>
+        <p:spPr/>
+        <p:txBody>
+          <a:bodyPr/>
+          <a:lstStyle/>
+          <a:p>
+            <a:r>
+              <a:t>RM9.90MYR</a:t>
+            </a:r>
+          </a:p>
+        </p:txBody>
+      </p:sp>
+      <p:pic>
+        <p:nvPicPr>
+          <p:cNvPr id="20" name="Picture Placeholder 19" descr="Organic Purple Rice Congee (320ml) 有机紫米八宝粥.jpg"/>
+          <p:cNvPicPr>
+            <a:picLocks noGrp="1" noChangeAspect="1"/>
+          </p:cNvPicPr>
+          <p:nvPr>
+            <p:ph type="pic" idx="28" sz="quarter"/>
+          </p:nvPr>
+        </p:nvPicPr>
+        <p:blipFill>
+          <a:blip r:embed="rId2"/>
+          <a:srcRect l="3228" r="3228"/>
+          <a:stretch>
+            <a:fillRect/>
+          </a:stretch>
+        </p:blipFill>
+        <p:spPr/>
+      </p:pic>
+      <p:sp>
+        <p:nvSpPr>
+          <p:cNvPr id="21" name="Text Placeholder 20"/>
+          <p:cNvSpPr>
+            <a:spLocks noGrp="1"/>
+          </p:cNvSpPr>
+          <p:nvPr>
+            <p:ph type="body" idx="29" sz="quarter"/>
+          </p:nvPr>
+        </p:nvSpPr>
+        <p:spPr/>
+        <p:txBody>
+          <a:bodyPr/>
+          <a:lstStyle/>
+          <a:p>
+            <a:r>
+              <a:t>Organic Purple Rice Congee (320ml) 有机紫米八宝粥</a:t>
+            </a:r>
+          </a:p>
+        </p:txBody>
+      </p:sp>
+      <p:sp>
+        <p:nvSpPr>
+          <p:cNvPr id="22" name="Text Placeholder 21"/>
+          <p:cNvSpPr>
+            <a:spLocks noGrp="1"/>
+          </p:cNvSpPr>
+          <p:nvPr>
+            <p:ph type="body" idx="30" sz="quarter"/>
+          </p:nvPr>
+        </p:nvSpPr>
+        <p:spPr/>
+        <p:txBody>
+          <a:bodyPr/>
+          <a:lstStyle/>
+          <a:p>
+            <a:r>
+              <a:t>RM9.90MYR</a:t>
+            </a:r>
+          </a:p>
+        </p:txBody>
+      </p:sp>
+      <p:pic>
+        <p:nvPicPr>
+          <p:cNvPr id="23" name="Picture Placeholder 22" descr="Organic Purple Rice Congee (320ml) 有机紫米八宝粥.jpg"/>
+          <p:cNvPicPr>
+            <a:picLocks noGrp="1" noChangeAspect="1"/>
+          </p:cNvPicPr>
+          <p:nvPr>
+            <p:ph type="pic" idx="31" sz="quarter"/>
+          </p:nvPr>
+        </p:nvPicPr>
+        <p:blipFill>
+          <a:blip r:embed="rId2"/>
+          <a:srcRect l="3228" r="3228"/>
+          <a:stretch>
+            <a:fillRect/>
+          </a:stretch>
+        </p:blipFill>
+        <p:spPr/>
+      </p:pic>
+      <p:sp>
+        <p:nvSpPr>
+          <p:cNvPr id="24" name="Text Placeholder 23"/>
+          <p:cNvSpPr>
+            <a:spLocks noGrp="1"/>
+          </p:cNvSpPr>
+          <p:nvPr>
+            <p:ph type="body" idx="32" sz="quarter"/>
+          </p:nvPr>
+        </p:nvSpPr>
+        <p:spPr/>
+        <p:txBody>
+          <a:bodyPr/>
+          <a:lstStyle/>
+          <a:p>
+            <a:r>
+              <a:t>Organic Purple Rice Congee (320ml) 有机紫米八宝粥</a:t>
+            </a:r>
+          </a:p>
+        </p:txBody>
+      </p:sp>
+      <p:sp>
+        <p:nvSpPr>
+          <p:cNvPr id="25" name="Text Placeholder 24"/>
+          <p:cNvSpPr>
+            <a:spLocks noGrp="1"/>
+          </p:cNvSpPr>
+          <p:nvPr>
+            <p:ph type="body" idx="33" sz="quarter"/>
+          </p:nvPr>
+        </p:nvSpPr>
+        <p:spPr/>
+        <p:txBody>
+          <a:bodyPr/>
+          <a:lstStyle/>
+          <a:p>
+            <a:r>
+              <a:t>RM9.90MYR</a:t>
+            </a:r>
+          </a:p>
         </p:txBody>
       </p:sp>
     </p:spTree>
